--- a/vsJava/java/src/project/식사 기록 프로그램.pptx
+++ b/vsJava/java/src/project/식사 기록 프로그램.pptx
@@ -8,6 +8,7 @@
     <p:sldId id="256" r:id="rId2"/>
     <p:sldId id="257" r:id="rId3"/>
     <p:sldId id="258" r:id="rId4"/>
+    <p:sldId id="259" r:id="rId5"/>
   </p:sldIdLst>
   <p:sldSz cx="12192000" cy="6858000"/>
   <p:notesSz cx="6858000" cy="9144000"/>
@@ -106,6 +107,11 @@
       </a:defRPr>
     </a:lvl9pPr>
   </p:defaultTextStyle>
+  <p:extLst>
+    <p:ext uri="{EFAFB233-063F-42B5-8137-9DF3F51BA10A}">
+      <p15:sldGuideLst xmlns:p15="http://schemas.microsoft.com/office/powerpoint/2012/main"/>
+    </p:ext>
+  </p:extLst>
 </p:presentation>
 </file>
 
@@ -3039,7 +3045,7 @@
         </p:nvSpPr>
         <p:spPr>
           <a:xfrm>
-            <a:off x="1524000" y="4732338"/>
+            <a:off x="1524000" y="3817938"/>
             <a:ext cx="9144000" cy="1655762"/>
           </a:xfrm>
         </p:spPr>
@@ -3047,10 +3053,14 @@
           <a:bodyPr/>
           <a:lstStyle/>
           <a:p>
-            <a:r>
-              <a:rPr lang="ko-KR" altLang="en-US" dirty="0"/>
+            <a:endParaRPr lang="en-US" altLang="ko-KR" dirty="0" smtClean="0"/>
+          </a:p>
+          <a:p>
+            <a:r>
+              <a:rPr lang="ko-KR" altLang="en-US" dirty="0" err="1" smtClean="0"/>
               <a:t>마예슬</a:t>
             </a:r>
+            <a:endParaRPr lang="ko-KR" altLang="en-US" dirty="0"/>
           </a:p>
         </p:txBody>
       </p:sp>
@@ -3064,6 +3074,13 @@
   <p:clrMapOvr>
     <a:masterClrMapping/>
   </p:clrMapOvr>
+  <p:timing>
+    <p:tnLst>
+      <p:par>
+        <p:cTn id="1" dur="indefinite" restart="never" nodeType="tmRoot"/>
+      </p:par>
+    </p:tnLst>
+  </p:timing>
 </p:sld>
 </file>
 
@@ -3133,6 +3150,11 @@
           <a:bodyPr/>
           <a:lstStyle/>
           <a:p>
+            <a:pPr>
+              <a:lnSpc>
+                <a:spcPct val="200000"/>
+              </a:lnSpc>
+            </a:pPr>
             <a:r>
               <a:rPr lang="ko-KR" altLang="en-US" dirty="0"/>
               <a:t>언제</a:t>
@@ -3167,6 +3189,11 @@
             </a:r>
           </a:p>
           <a:p>
+            <a:pPr>
+              <a:lnSpc>
+                <a:spcPct val="200000"/>
+              </a:lnSpc>
+            </a:pPr>
             <a:r>
               <a:rPr lang="en-US" altLang="ko-KR" dirty="0" err="1"/>
               <a:t>ArrayList</a:t>
@@ -3189,6 +3216,11 @@
             </a:r>
           </a:p>
           <a:p>
+            <a:pPr>
+              <a:lnSpc>
+                <a:spcPct val="200000"/>
+              </a:lnSpc>
+            </a:pPr>
             <a:r>
               <a:rPr lang="ko-KR" altLang="en-US" dirty="0"/>
               <a:t>월간 식사 비용 계산</a:t>
@@ -3211,6 +3243,13 @@
   <p:clrMapOvr>
     <a:masterClrMapping/>
   </p:clrMapOvr>
+  <p:timing>
+    <p:tnLst>
+      <p:par>
+        <p:cTn id="1" dur="indefinite" restart="never" nodeType="tmRoot"/>
+      </p:par>
+    </p:tnLst>
+  </p:timing>
 </p:sld>
 </file>
 
@@ -3273,8 +3312,8 @@
         </p:nvSpPr>
         <p:spPr>
           <a:xfrm>
-            <a:off x="5001202" y="1828800"/>
-            <a:ext cx="1377950" cy="369332"/>
+            <a:off x="5413952" y="1175121"/>
+            <a:ext cx="1800000" cy="720000"/>
           </a:xfrm>
           <a:prstGeom prst="rect">
             <a:avLst/>
@@ -3282,20 +3321,22 @@
         </p:spPr>
         <p:style>
           <a:lnRef idx="2">
-            <a:schemeClr val="accent2"/>
+            <a:schemeClr val="accent2">
+              <a:shade val="50000"/>
+            </a:schemeClr>
           </a:lnRef>
           <a:fillRef idx="1">
-            <a:schemeClr val="lt1"/>
+            <a:schemeClr val="accent2"/>
           </a:fillRef>
           <a:effectRef idx="0">
             <a:schemeClr val="accent2"/>
           </a:effectRef>
           <a:fontRef idx="minor">
-            <a:schemeClr val="dk1"/>
+            <a:schemeClr val="lt1"/>
           </a:fontRef>
         </p:style>
         <p:txBody>
-          <a:bodyPr wrap="square" rtlCol="0">
+          <a:bodyPr wrap="square" rtlCol="0" anchor="ctr" anchorCtr="1">
             <a:spAutoFit/>
           </a:bodyPr>
           <a:lstStyle/>
@@ -3322,8 +3363,8 @@
         </p:nvSpPr>
         <p:spPr>
           <a:xfrm>
-            <a:off x="845127" y="2679184"/>
-            <a:ext cx="1816100" cy="369332"/>
+            <a:off x="963977" y="2625458"/>
+            <a:ext cx="1800000" cy="720000"/>
           </a:xfrm>
           <a:prstGeom prst="rect">
             <a:avLst/>
@@ -3331,20 +3372,22 @@
         </p:spPr>
         <p:style>
           <a:lnRef idx="2">
-            <a:schemeClr val="accent2"/>
+            <a:schemeClr val="accent2">
+              <a:shade val="50000"/>
+            </a:schemeClr>
           </a:lnRef>
           <a:fillRef idx="1">
-            <a:schemeClr val="lt1"/>
+            <a:schemeClr val="accent2"/>
           </a:fillRef>
           <a:effectRef idx="0">
             <a:schemeClr val="accent2"/>
           </a:effectRef>
           <a:fontRef idx="minor">
-            <a:schemeClr val="dk1"/>
+            <a:schemeClr val="lt1"/>
           </a:fontRef>
         </p:style>
         <p:txBody>
-          <a:bodyPr wrap="square" rtlCol="0">
+          <a:bodyPr wrap="square" rtlCol="0" anchor="ctr" anchorCtr="1">
             <a:spAutoFit/>
           </a:bodyPr>
           <a:lstStyle/>
@@ -3352,8 +3395,17 @@
             <a:pPr algn="ctr"/>
             <a:r>
               <a:rPr lang="ko-KR" altLang="en-US" dirty="0"/>
-              <a:t>식사 기록하기</a:t>
-            </a:r>
+              <a:t>식사 </a:t>
+            </a:r>
+            <a:endParaRPr lang="en-US" altLang="ko-KR" dirty="0" smtClean="0"/>
+          </a:p>
+          <a:p>
+            <a:pPr algn="ctr"/>
+            <a:r>
+              <a:rPr lang="ko-KR" altLang="en-US" dirty="0" smtClean="0"/>
+              <a:t>기록하기</a:t>
+            </a:r>
+            <a:endParaRPr lang="ko-KR" altLang="en-US" dirty="0"/>
           </a:p>
         </p:txBody>
       </p:sp>
@@ -3371,8 +3423,8 @@
         </p:nvSpPr>
         <p:spPr>
           <a:xfrm>
-            <a:off x="3359150" y="2679183"/>
-            <a:ext cx="1771650" cy="646331"/>
+            <a:off x="3208129" y="2628266"/>
+            <a:ext cx="1800000" cy="720000"/>
           </a:xfrm>
           <a:prstGeom prst="rect">
             <a:avLst/>
@@ -3380,20 +3432,22 @@
         </p:spPr>
         <p:style>
           <a:lnRef idx="2">
-            <a:schemeClr val="accent2"/>
+            <a:schemeClr val="accent2">
+              <a:shade val="50000"/>
+            </a:schemeClr>
           </a:lnRef>
           <a:fillRef idx="1">
-            <a:schemeClr val="lt1"/>
+            <a:schemeClr val="accent2"/>
           </a:fillRef>
           <a:effectRef idx="0">
             <a:schemeClr val="accent2"/>
           </a:effectRef>
           <a:fontRef idx="minor">
-            <a:schemeClr val="dk1"/>
+            <a:schemeClr val="lt1"/>
           </a:fontRef>
         </p:style>
         <p:txBody>
-          <a:bodyPr wrap="square" rtlCol="0">
+          <a:bodyPr wrap="square" rtlCol="0" anchor="ctr" anchorCtr="1">
             <a:spAutoFit/>
           </a:bodyPr>
           <a:lstStyle/>
@@ -3420,8 +3474,8 @@
         </p:nvSpPr>
         <p:spPr>
           <a:xfrm>
-            <a:off x="5828723" y="2665967"/>
-            <a:ext cx="1422400" cy="646331"/>
+            <a:off x="7699661" y="2628265"/>
+            <a:ext cx="1800000" cy="720000"/>
           </a:xfrm>
           <a:prstGeom prst="rect">
             <a:avLst/>
@@ -3429,20 +3483,22 @@
         </p:spPr>
         <p:style>
           <a:lnRef idx="2">
-            <a:schemeClr val="accent2"/>
+            <a:schemeClr val="accent2">
+              <a:shade val="50000"/>
+            </a:schemeClr>
           </a:lnRef>
           <a:fillRef idx="1">
-            <a:schemeClr val="lt1"/>
+            <a:schemeClr val="accent2"/>
           </a:fillRef>
           <a:effectRef idx="0">
             <a:schemeClr val="accent2"/>
           </a:effectRef>
           <a:fontRef idx="minor">
-            <a:schemeClr val="dk1"/>
+            <a:schemeClr val="lt1"/>
           </a:fontRef>
         </p:style>
         <p:txBody>
-          <a:bodyPr wrap="square" rtlCol="0">
+          <a:bodyPr wrap="square" rtlCol="0" anchor="ctr" anchorCtr="1">
             <a:spAutoFit/>
           </a:bodyPr>
           <a:lstStyle/>
@@ -3469,8 +3525,8 @@
         </p:nvSpPr>
         <p:spPr>
           <a:xfrm>
-            <a:off x="7823200" y="2665966"/>
-            <a:ext cx="1422400" cy="646331"/>
+            <a:off x="5413952" y="2628266"/>
+            <a:ext cx="1800000" cy="720000"/>
           </a:xfrm>
           <a:prstGeom prst="rect">
             <a:avLst/>
@@ -3478,20 +3534,22 @@
         </p:spPr>
         <p:style>
           <a:lnRef idx="2">
-            <a:schemeClr val="accent2"/>
+            <a:schemeClr val="accent2">
+              <a:shade val="50000"/>
+            </a:schemeClr>
           </a:lnRef>
           <a:fillRef idx="1">
-            <a:schemeClr val="lt1"/>
+            <a:schemeClr val="accent2"/>
           </a:fillRef>
           <a:effectRef idx="0">
             <a:schemeClr val="accent2"/>
           </a:effectRef>
           <a:fontRef idx="minor">
-            <a:schemeClr val="dk1"/>
+            <a:schemeClr val="lt1"/>
           </a:fontRef>
         </p:style>
         <p:txBody>
-          <a:bodyPr wrap="square" rtlCol="0">
+          <a:bodyPr wrap="square" rtlCol="0" anchor="ctr" anchorCtr="1">
             <a:spAutoFit/>
           </a:bodyPr>
           <a:lstStyle/>
@@ -3518,8 +3576,8 @@
         </p:nvSpPr>
         <p:spPr>
           <a:xfrm>
-            <a:off x="10007600" y="2665965"/>
-            <a:ext cx="1346200" cy="646331"/>
+            <a:off x="9985370" y="2625458"/>
+            <a:ext cx="1800000" cy="720000"/>
           </a:xfrm>
           <a:prstGeom prst="rect">
             <a:avLst/>
@@ -3527,20 +3585,22 @@
         </p:spPr>
         <p:style>
           <a:lnRef idx="2">
-            <a:schemeClr val="accent2"/>
+            <a:schemeClr val="accent2">
+              <a:shade val="50000"/>
+            </a:schemeClr>
           </a:lnRef>
           <a:fillRef idx="1">
-            <a:schemeClr val="lt1"/>
+            <a:schemeClr val="accent2"/>
           </a:fillRef>
           <a:effectRef idx="0">
             <a:schemeClr val="accent2"/>
           </a:effectRef>
           <a:fontRef idx="minor">
-            <a:schemeClr val="dk1"/>
+            <a:schemeClr val="lt1"/>
           </a:fontRef>
         </p:style>
         <p:txBody>
-          <a:bodyPr wrap="square" rtlCol="0">
+          <a:bodyPr wrap="square" rtlCol="0" anchor="ctr" anchorCtr="1">
             <a:spAutoFit/>
           </a:bodyPr>
           <a:lstStyle/>
@@ -3553,6 +3613,902 @@
           </a:p>
         </p:txBody>
       </p:sp>
+      <p:sp>
+        <p:nvSpPr>
+          <p:cNvPr id="3" name="TextBox 2"/>
+          <p:cNvSpPr txBox="1"/>
+          <p:nvPr/>
+        </p:nvSpPr>
+        <p:spPr>
+          <a:xfrm>
+            <a:off x="963977" y="3710641"/>
+            <a:ext cx="1800000" cy="720000"/>
+          </a:xfrm>
+          <a:prstGeom prst="rect">
+            <a:avLst/>
+          </a:prstGeom>
+        </p:spPr>
+        <p:style>
+          <a:lnRef idx="2">
+            <a:schemeClr val="accent2">
+              <a:shade val="50000"/>
+            </a:schemeClr>
+          </a:lnRef>
+          <a:fillRef idx="1">
+            <a:schemeClr val="accent2"/>
+          </a:fillRef>
+          <a:effectRef idx="0">
+            <a:schemeClr val="accent2"/>
+          </a:effectRef>
+          <a:fontRef idx="minor">
+            <a:schemeClr val="lt1"/>
+          </a:fontRef>
+        </p:style>
+        <p:txBody>
+          <a:bodyPr wrap="square" rtlCol="0" anchor="ctr" anchorCtr="1">
+            <a:spAutoFit/>
+          </a:bodyPr>
+          <a:lstStyle/>
+          <a:p>
+            <a:pPr algn="ctr"/>
+            <a:r>
+              <a:rPr lang="ko-KR" altLang="en-US" dirty="0" smtClean="0"/>
+              <a:t>날짜</a:t>
+            </a:r>
+            <a:r>
+              <a:rPr lang="en-US" altLang="ko-KR" dirty="0" smtClean="0"/>
+              <a:t>, </a:t>
+            </a:r>
+            <a:r>
+              <a:rPr lang="ko-KR" altLang="en-US" dirty="0" smtClean="0"/>
+              <a:t>가게 이름</a:t>
+            </a:r>
+            <a:r>
+              <a:rPr lang="en-US" altLang="ko-KR" dirty="0" smtClean="0"/>
+              <a:t>, </a:t>
+            </a:r>
+            <a:r>
+              <a:rPr lang="ko-KR" altLang="en-US" dirty="0" smtClean="0"/>
+              <a:t>메뉴</a:t>
+            </a:r>
+            <a:r>
+              <a:rPr lang="en-US" altLang="ko-KR" dirty="0" smtClean="0"/>
+              <a:t>, </a:t>
+            </a:r>
+            <a:r>
+              <a:rPr lang="ko-KR" altLang="en-US" dirty="0" smtClean="0"/>
+              <a:t>가격 입력</a:t>
+            </a:r>
+            <a:endParaRPr lang="ko-KR" altLang="en-US" dirty="0"/>
+          </a:p>
+        </p:txBody>
+      </p:sp>
+      <p:sp>
+        <p:nvSpPr>
+          <p:cNvPr id="10" name="TextBox 9"/>
+          <p:cNvSpPr txBox="1"/>
+          <p:nvPr/>
+        </p:nvSpPr>
+        <p:spPr>
+          <a:xfrm>
+            <a:off x="3209910" y="3710641"/>
+            <a:ext cx="1800000" cy="720000"/>
+          </a:xfrm>
+          <a:prstGeom prst="rect">
+            <a:avLst/>
+          </a:prstGeom>
+        </p:spPr>
+        <p:style>
+          <a:lnRef idx="2">
+            <a:schemeClr val="accent2">
+              <a:shade val="50000"/>
+            </a:schemeClr>
+          </a:lnRef>
+          <a:fillRef idx="1">
+            <a:schemeClr val="accent2"/>
+          </a:fillRef>
+          <a:effectRef idx="0">
+            <a:schemeClr val="accent2"/>
+          </a:effectRef>
+          <a:fontRef idx="minor">
+            <a:schemeClr val="lt1"/>
+          </a:fontRef>
+        </p:style>
+        <p:txBody>
+          <a:bodyPr wrap="square" rtlCol="0" anchor="ctr" anchorCtr="1">
+            <a:spAutoFit/>
+          </a:bodyPr>
+          <a:lstStyle/>
+          <a:p>
+            <a:pPr algn="ctr"/>
+            <a:r>
+              <a:rPr lang="ko-KR" altLang="en-US" dirty="0" smtClean="0"/>
+              <a:t>전체 식사 기록 출력</a:t>
+            </a:r>
+            <a:endParaRPr lang="ko-KR" altLang="en-US" dirty="0"/>
+          </a:p>
+        </p:txBody>
+      </p:sp>
+      <p:sp>
+        <p:nvSpPr>
+          <p:cNvPr id="13" name="TextBox 12"/>
+          <p:cNvSpPr txBox="1"/>
+          <p:nvPr/>
+        </p:nvSpPr>
+        <p:spPr>
+          <a:xfrm>
+            <a:off x="5413952" y="3710641"/>
+            <a:ext cx="1800000" cy="720000"/>
+          </a:xfrm>
+          <a:prstGeom prst="rect">
+            <a:avLst/>
+          </a:prstGeom>
+        </p:spPr>
+        <p:style>
+          <a:lnRef idx="2">
+            <a:schemeClr val="accent2">
+              <a:shade val="50000"/>
+            </a:schemeClr>
+          </a:lnRef>
+          <a:fillRef idx="1">
+            <a:schemeClr val="accent2"/>
+          </a:fillRef>
+          <a:effectRef idx="0">
+            <a:schemeClr val="accent2"/>
+          </a:effectRef>
+          <a:fontRef idx="minor">
+            <a:schemeClr val="lt1"/>
+          </a:fontRef>
+        </p:style>
+        <p:txBody>
+          <a:bodyPr wrap="square" rtlCol="0" anchor="ctr" anchorCtr="1">
+            <a:spAutoFit/>
+          </a:bodyPr>
+          <a:lstStyle/>
+          <a:p>
+            <a:pPr algn="ctr"/>
+            <a:r>
+              <a:rPr lang="ko-KR" altLang="en-US" dirty="0" smtClean="0"/>
+              <a:t>날짜 입력</a:t>
+            </a:r>
+            <a:endParaRPr lang="ko-KR" altLang="en-US" dirty="0"/>
+          </a:p>
+        </p:txBody>
+      </p:sp>
+      <p:sp>
+        <p:nvSpPr>
+          <p:cNvPr id="14" name="TextBox 13"/>
+          <p:cNvSpPr txBox="1"/>
+          <p:nvPr/>
+        </p:nvSpPr>
+        <p:spPr>
+          <a:xfrm>
+            <a:off x="5413952" y="4838239"/>
+            <a:ext cx="1800000" cy="720000"/>
+          </a:xfrm>
+          <a:prstGeom prst="rect">
+            <a:avLst/>
+          </a:prstGeom>
+        </p:spPr>
+        <p:style>
+          <a:lnRef idx="2">
+            <a:schemeClr val="accent2">
+              <a:shade val="50000"/>
+            </a:schemeClr>
+          </a:lnRef>
+          <a:fillRef idx="1">
+            <a:schemeClr val="accent2"/>
+          </a:fillRef>
+          <a:effectRef idx="0">
+            <a:schemeClr val="accent2"/>
+          </a:effectRef>
+          <a:fontRef idx="minor">
+            <a:schemeClr val="lt1"/>
+          </a:fontRef>
+        </p:style>
+        <p:txBody>
+          <a:bodyPr wrap="square" rtlCol="0" anchor="ctr" anchorCtr="1">
+            <a:spAutoFit/>
+          </a:bodyPr>
+          <a:lstStyle/>
+          <a:p>
+            <a:pPr algn="ctr"/>
+            <a:r>
+              <a:rPr lang="ko-KR" altLang="en-US" dirty="0" smtClean="0"/>
+              <a:t>가게 이름</a:t>
+            </a:r>
+            <a:r>
+              <a:rPr lang="en-US" altLang="ko-KR" dirty="0" smtClean="0"/>
+              <a:t>, </a:t>
+            </a:r>
+            <a:r>
+              <a:rPr lang="ko-KR" altLang="en-US" dirty="0" smtClean="0"/>
+              <a:t>메뉴</a:t>
+            </a:r>
+            <a:r>
+              <a:rPr lang="en-US" altLang="ko-KR" dirty="0" smtClean="0"/>
+              <a:t>, </a:t>
+            </a:r>
+            <a:r>
+              <a:rPr lang="ko-KR" altLang="en-US" dirty="0" smtClean="0"/>
+              <a:t>가격 수정</a:t>
+            </a:r>
+            <a:endParaRPr lang="ko-KR" altLang="en-US" dirty="0"/>
+          </a:p>
+        </p:txBody>
+      </p:sp>
+      <p:sp>
+        <p:nvSpPr>
+          <p:cNvPr id="15" name="TextBox 14"/>
+          <p:cNvSpPr txBox="1"/>
+          <p:nvPr/>
+        </p:nvSpPr>
+        <p:spPr>
+          <a:xfrm>
+            <a:off x="7699661" y="3710641"/>
+            <a:ext cx="1800000" cy="720000"/>
+          </a:xfrm>
+          <a:prstGeom prst="rect">
+            <a:avLst/>
+          </a:prstGeom>
+        </p:spPr>
+        <p:style>
+          <a:lnRef idx="2">
+            <a:schemeClr val="accent2">
+              <a:shade val="50000"/>
+            </a:schemeClr>
+          </a:lnRef>
+          <a:fillRef idx="1">
+            <a:schemeClr val="accent2"/>
+          </a:fillRef>
+          <a:effectRef idx="0">
+            <a:schemeClr val="accent2"/>
+          </a:effectRef>
+          <a:fontRef idx="minor">
+            <a:schemeClr val="lt1"/>
+          </a:fontRef>
+        </p:style>
+        <p:txBody>
+          <a:bodyPr wrap="square" rtlCol="0" anchor="ctr" anchorCtr="1">
+            <a:spAutoFit/>
+          </a:bodyPr>
+          <a:lstStyle/>
+          <a:p>
+            <a:pPr algn="ctr"/>
+            <a:r>
+              <a:rPr lang="ko-KR" altLang="en-US" dirty="0" smtClean="0"/>
+              <a:t>날짜 입력</a:t>
+            </a:r>
+            <a:endParaRPr lang="ko-KR" altLang="en-US" dirty="0"/>
+          </a:p>
+        </p:txBody>
+      </p:sp>
+      <p:sp>
+        <p:nvSpPr>
+          <p:cNvPr id="17" name="TextBox 16"/>
+          <p:cNvSpPr txBox="1"/>
+          <p:nvPr/>
+        </p:nvSpPr>
+        <p:spPr>
+          <a:xfrm>
+            <a:off x="7699661" y="4838239"/>
+            <a:ext cx="1800000" cy="720000"/>
+          </a:xfrm>
+          <a:prstGeom prst="rect">
+            <a:avLst/>
+          </a:prstGeom>
+        </p:spPr>
+        <p:style>
+          <a:lnRef idx="2">
+            <a:schemeClr val="accent2">
+              <a:shade val="50000"/>
+            </a:schemeClr>
+          </a:lnRef>
+          <a:fillRef idx="1">
+            <a:schemeClr val="accent2"/>
+          </a:fillRef>
+          <a:effectRef idx="0">
+            <a:schemeClr val="accent2"/>
+          </a:effectRef>
+          <a:fontRef idx="minor">
+            <a:schemeClr val="lt1"/>
+          </a:fontRef>
+        </p:style>
+        <p:txBody>
+          <a:bodyPr wrap="square" rtlCol="0" anchor="ctr" anchorCtr="1">
+            <a:spAutoFit/>
+          </a:bodyPr>
+          <a:lstStyle/>
+          <a:p>
+            <a:pPr algn="ctr"/>
+            <a:r>
+              <a:rPr lang="ko-KR" altLang="en-US" dirty="0" smtClean="0"/>
+              <a:t>해당 식사 기록 삭제</a:t>
+            </a:r>
+            <a:endParaRPr lang="ko-KR" altLang="en-US" dirty="0"/>
+          </a:p>
+        </p:txBody>
+      </p:sp>
+      <p:sp>
+        <p:nvSpPr>
+          <p:cNvPr id="18" name="TextBox 17"/>
+          <p:cNvSpPr txBox="1"/>
+          <p:nvPr/>
+        </p:nvSpPr>
+        <p:spPr>
+          <a:xfrm>
+            <a:off x="9985370" y="3710641"/>
+            <a:ext cx="1800000" cy="720000"/>
+          </a:xfrm>
+          <a:prstGeom prst="rect">
+            <a:avLst/>
+          </a:prstGeom>
+        </p:spPr>
+        <p:style>
+          <a:lnRef idx="2">
+            <a:schemeClr val="accent2">
+              <a:shade val="50000"/>
+            </a:schemeClr>
+          </a:lnRef>
+          <a:fillRef idx="1">
+            <a:schemeClr val="accent2"/>
+          </a:fillRef>
+          <a:effectRef idx="0">
+            <a:schemeClr val="accent2"/>
+          </a:effectRef>
+          <a:fontRef idx="minor">
+            <a:schemeClr val="lt1"/>
+          </a:fontRef>
+        </p:style>
+        <p:txBody>
+          <a:bodyPr wrap="square" rtlCol="0" anchor="ctr" anchorCtr="1">
+            <a:spAutoFit/>
+          </a:bodyPr>
+          <a:lstStyle/>
+          <a:p>
+            <a:pPr algn="ctr"/>
+            <a:r>
+              <a:rPr lang="ko-KR" altLang="en-US" dirty="0" smtClean="0"/>
+              <a:t>날짜</a:t>
+            </a:r>
+            <a:r>
+              <a:rPr lang="en-US" altLang="ko-KR" dirty="0" smtClean="0"/>
+              <a:t>(</a:t>
+            </a:r>
+            <a:r>
+              <a:rPr lang="ko-KR" altLang="en-US" dirty="0" smtClean="0"/>
+              <a:t>연도</a:t>
+            </a:r>
+            <a:r>
+              <a:rPr lang="en-US" altLang="ko-KR" dirty="0" smtClean="0"/>
+              <a:t>, </a:t>
+            </a:r>
+            <a:r>
+              <a:rPr lang="ko-KR" altLang="en-US" dirty="0" smtClean="0"/>
+              <a:t>월</a:t>
+            </a:r>
+            <a:r>
+              <a:rPr lang="en-US" altLang="ko-KR" dirty="0" smtClean="0"/>
+              <a:t>) </a:t>
+            </a:r>
+            <a:r>
+              <a:rPr lang="ko-KR" altLang="en-US" dirty="0" smtClean="0"/>
+              <a:t>입력</a:t>
+            </a:r>
+            <a:endParaRPr lang="ko-KR" altLang="en-US" dirty="0"/>
+          </a:p>
+        </p:txBody>
+      </p:sp>
+      <p:sp>
+        <p:nvSpPr>
+          <p:cNvPr id="19" name="TextBox 18"/>
+          <p:cNvSpPr txBox="1"/>
+          <p:nvPr/>
+        </p:nvSpPr>
+        <p:spPr>
+          <a:xfrm>
+            <a:off x="9985370" y="4838239"/>
+            <a:ext cx="1800000" cy="720000"/>
+          </a:xfrm>
+          <a:prstGeom prst="rect">
+            <a:avLst/>
+          </a:prstGeom>
+        </p:spPr>
+        <p:style>
+          <a:lnRef idx="2">
+            <a:schemeClr val="accent2">
+              <a:shade val="50000"/>
+            </a:schemeClr>
+          </a:lnRef>
+          <a:fillRef idx="1">
+            <a:schemeClr val="accent2"/>
+          </a:fillRef>
+          <a:effectRef idx="0">
+            <a:schemeClr val="accent2"/>
+          </a:effectRef>
+          <a:fontRef idx="minor">
+            <a:schemeClr val="lt1"/>
+          </a:fontRef>
+        </p:style>
+        <p:txBody>
+          <a:bodyPr wrap="square" rtlCol="0" anchor="ctr" anchorCtr="1">
+            <a:spAutoFit/>
+          </a:bodyPr>
+          <a:lstStyle/>
+          <a:p>
+            <a:pPr algn="ctr"/>
+            <a:r>
+              <a:rPr lang="ko-KR" altLang="en-US" dirty="0" smtClean="0"/>
+              <a:t>해당 월 총 금액 출력</a:t>
+            </a:r>
+            <a:endParaRPr lang="ko-KR" altLang="en-US" dirty="0"/>
+          </a:p>
+        </p:txBody>
+      </p:sp>
+      <p:cxnSp>
+        <p:nvCxnSpPr>
+          <p:cNvPr id="22" name="직선 화살표 연결선 21"/>
+          <p:cNvCxnSpPr>
+            <a:stCxn id="4" idx="2"/>
+            <a:endCxn id="8" idx="0"/>
+          </p:cNvCxnSpPr>
+          <p:nvPr/>
+        </p:nvCxnSpPr>
+        <p:spPr>
+          <a:xfrm>
+            <a:off x="6313952" y="1895121"/>
+            <a:ext cx="0" cy="733145"/>
+          </a:xfrm>
+          <a:prstGeom prst="straightConnector1">
+            <a:avLst/>
+          </a:prstGeom>
+          <a:ln>
+            <a:tailEnd type="triangle"/>
+          </a:ln>
+        </p:spPr>
+        <p:style>
+          <a:lnRef idx="1">
+            <a:schemeClr val="accent1"/>
+          </a:lnRef>
+          <a:fillRef idx="0">
+            <a:schemeClr val="accent1"/>
+          </a:fillRef>
+          <a:effectRef idx="0">
+            <a:schemeClr val="accent1"/>
+          </a:effectRef>
+          <a:fontRef idx="minor">
+            <a:schemeClr val="tx1"/>
+          </a:fontRef>
+        </p:style>
+      </p:cxnSp>
+      <p:cxnSp>
+        <p:nvCxnSpPr>
+          <p:cNvPr id="24" name="꺾인 연결선 23"/>
+          <p:cNvCxnSpPr>
+            <a:endCxn id="5" idx="0"/>
+          </p:cNvCxnSpPr>
+          <p:nvPr/>
+        </p:nvCxnSpPr>
+        <p:spPr>
+          <a:xfrm rot="10800000" flipV="1">
+            <a:off x="1863978" y="2199860"/>
+            <a:ext cx="4449975" cy="425597"/>
+          </a:xfrm>
+          <a:prstGeom prst="bentConnector2">
+            <a:avLst/>
+          </a:prstGeom>
+          <a:ln>
+            <a:tailEnd type="triangle"/>
+          </a:ln>
+        </p:spPr>
+        <p:style>
+          <a:lnRef idx="1">
+            <a:schemeClr val="accent1"/>
+          </a:lnRef>
+          <a:fillRef idx="0">
+            <a:schemeClr val="accent1"/>
+          </a:fillRef>
+          <a:effectRef idx="0">
+            <a:schemeClr val="accent1"/>
+          </a:effectRef>
+          <a:fontRef idx="minor">
+            <a:schemeClr val="tx1"/>
+          </a:fontRef>
+        </p:style>
+      </p:cxnSp>
+      <p:cxnSp>
+        <p:nvCxnSpPr>
+          <p:cNvPr id="26" name="직선 화살표 연결선 25"/>
+          <p:cNvCxnSpPr>
+            <a:endCxn id="6" idx="0"/>
+          </p:cNvCxnSpPr>
+          <p:nvPr/>
+        </p:nvCxnSpPr>
+        <p:spPr>
+          <a:xfrm>
+            <a:off x="4108129" y="2211668"/>
+            <a:ext cx="0" cy="416598"/>
+          </a:xfrm>
+          <a:prstGeom prst="straightConnector1">
+            <a:avLst/>
+          </a:prstGeom>
+          <a:ln>
+            <a:tailEnd type="triangle"/>
+          </a:ln>
+        </p:spPr>
+        <p:style>
+          <a:lnRef idx="1">
+            <a:schemeClr val="accent1"/>
+          </a:lnRef>
+          <a:fillRef idx="0">
+            <a:schemeClr val="accent1"/>
+          </a:fillRef>
+          <a:effectRef idx="0">
+            <a:schemeClr val="accent1"/>
+          </a:effectRef>
+          <a:fontRef idx="minor">
+            <a:schemeClr val="tx1"/>
+          </a:fontRef>
+        </p:style>
+      </p:cxnSp>
+      <p:cxnSp>
+        <p:nvCxnSpPr>
+          <p:cNvPr id="28" name="꺾인 연결선 27"/>
+          <p:cNvCxnSpPr>
+            <a:endCxn id="9" idx="0"/>
+          </p:cNvCxnSpPr>
+          <p:nvPr/>
+        </p:nvCxnSpPr>
+        <p:spPr>
+          <a:xfrm>
+            <a:off x="6313952" y="2199860"/>
+            <a:ext cx="4571418" cy="425598"/>
+          </a:xfrm>
+          <a:prstGeom prst="bentConnector2">
+            <a:avLst/>
+          </a:prstGeom>
+          <a:ln>
+            <a:tailEnd type="triangle"/>
+          </a:ln>
+        </p:spPr>
+        <p:style>
+          <a:lnRef idx="1">
+            <a:schemeClr val="accent1"/>
+          </a:lnRef>
+          <a:fillRef idx="0">
+            <a:schemeClr val="accent1"/>
+          </a:fillRef>
+          <a:effectRef idx="0">
+            <a:schemeClr val="accent1"/>
+          </a:effectRef>
+          <a:fontRef idx="minor">
+            <a:schemeClr val="tx1"/>
+          </a:fontRef>
+        </p:style>
+      </p:cxnSp>
+      <p:cxnSp>
+        <p:nvCxnSpPr>
+          <p:cNvPr id="30" name="직선 화살표 연결선 29"/>
+          <p:cNvCxnSpPr>
+            <a:endCxn id="7" idx="0"/>
+          </p:cNvCxnSpPr>
+          <p:nvPr/>
+        </p:nvCxnSpPr>
+        <p:spPr>
+          <a:xfrm>
+            <a:off x="8599661" y="2199860"/>
+            <a:ext cx="0" cy="428405"/>
+          </a:xfrm>
+          <a:prstGeom prst="straightConnector1">
+            <a:avLst/>
+          </a:prstGeom>
+          <a:ln>
+            <a:tailEnd type="triangle"/>
+          </a:ln>
+        </p:spPr>
+        <p:style>
+          <a:lnRef idx="1">
+            <a:schemeClr val="accent1"/>
+          </a:lnRef>
+          <a:fillRef idx="0">
+            <a:schemeClr val="accent1"/>
+          </a:fillRef>
+          <a:effectRef idx="0">
+            <a:schemeClr val="accent1"/>
+          </a:effectRef>
+          <a:fontRef idx="minor">
+            <a:schemeClr val="tx1"/>
+          </a:fontRef>
+        </p:style>
+      </p:cxnSp>
+      <p:cxnSp>
+        <p:nvCxnSpPr>
+          <p:cNvPr id="33" name="직선 화살표 연결선 32"/>
+          <p:cNvCxnSpPr>
+            <a:stCxn id="5" idx="2"/>
+            <a:endCxn id="3" idx="0"/>
+          </p:cNvCxnSpPr>
+          <p:nvPr/>
+        </p:nvCxnSpPr>
+        <p:spPr>
+          <a:xfrm>
+            <a:off x="1863977" y="3345458"/>
+            <a:ext cx="0" cy="365183"/>
+          </a:xfrm>
+          <a:prstGeom prst="straightConnector1">
+            <a:avLst/>
+          </a:prstGeom>
+          <a:ln>
+            <a:tailEnd type="triangle"/>
+          </a:ln>
+        </p:spPr>
+        <p:style>
+          <a:lnRef idx="1">
+            <a:schemeClr val="accent1"/>
+          </a:lnRef>
+          <a:fillRef idx="0">
+            <a:schemeClr val="accent1"/>
+          </a:fillRef>
+          <a:effectRef idx="0">
+            <a:schemeClr val="accent1"/>
+          </a:effectRef>
+          <a:fontRef idx="minor">
+            <a:schemeClr val="tx1"/>
+          </a:fontRef>
+        </p:style>
+      </p:cxnSp>
+      <p:cxnSp>
+        <p:nvCxnSpPr>
+          <p:cNvPr id="35" name="직선 화살표 연결선 34"/>
+          <p:cNvCxnSpPr>
+            <a:stCxn id="6" idx="2"/>
+            <a:endCxn id="10" idx="0"/>
+          </p:cNvCxnSpPr>
+          <p:nvPr/>
+        </p:nvCxnSpPr>
+        <p:spPr>
+          <a:xfrm>
+            <a:off x="4108129" y="3348266"/>
+            <a:ext cx="1781" cy="362375"/>
+          </a:xfrm>
+          <a:prstGeom prst="straightConnector1">
+            <a:avLst/>
+          </a:prstGeom>
+          <a:ln>
+            <a:tailEnd type="triangle"/>
+          </a:ln>
+        </p:spPr>
+        <p:style>
+          <a:lnRef idx="1">
+            <a:schemeClr val="accent1"/>
+          </a:lnRef>
+          <a:fillRef idx="0">
+            <a:schemeClr val="accent1"/>
+          </a:fillRef>
+          <a:effectRef idx="0">
+            <a:schemeClr val="accent1"/>
+          </a:effectRef>
+          <a:fontRef idx="minor">
+            <a:schemeClr val="tx1"/>
+          </a:fontRef>
+        </p:style>
+      </p:cxnSp>
+      <p:cxnSp>
+        <p:nvCxnSpPr>
+          <p:cNvPr id="37" name="직선 화살표 연결선 36"/>
+          <p:cNvCxnSpPr>
+            <a:stCxn id="8" idx="2"/>
+            <a:endCxn id="13" idx="0"/>
+          </p:cNvCxnSpPr>
+          <p:nvPr/>
+        </p:nvCxnSpPr>
+        <p:spPr>
+          <a:xfrm>
+            <a:off x="6313952" y="3348266"/>
+            <a:ext cx="0" cy="362375"/>
+          </a:xfrm>
+          <a:prstGeom prst="straightConnector1">
+            <a:avLst/>
+          </a:prstGeom>
+          <a:ln>
+            <a:tailEnd type="triangle"/>
+          </a:ln>
+        </p:spPr>
+        <p:style>
+          <a:lnRef idx="1">
+            <a:schemeClr val="accent1"/>
+          </a:lnRef>
+          <a:fillRef idx="0">
+            <a:schemeClr val="accent1"/>
+          </a:fillRef>
+          <a:effectRef idx="0">
+            <a:schemeClr val="accent1"/>
+          </a:effectRef>
+          <a:fontRef idx="minor">
+            <a:schemeClr val="tx1"/>
+          </a:fontRef>
+        </p:style>
+      </p:cxnSp>
+      <p:cxnSp>
+        <p:nvCxnSpPr>
+          <p:cNvPr id="39" name="직선 화살표 연결선 38"/>
+          <p:cNvCxnSpPr>
+            <a:stCxn id="13" idx="2"/>
+            <a:endCxn id="14" idx="0"/>
+          </p:cNvCxnSpPr>
+          <p:nvPr/>
+        </p:nvCxnSpPr>
+        <p:spPr>
+          <a:xfrm>
+            <a:off x="6313952" y="4430641"/>
+            <a:ext cx="0" cy="407598"/>
+          </a:xfrm>
+          <a:prstGeom prst="straightConnector1">
+            <a:avLst/>
+          </a:prstGeom>
+          <a:ln>
+            <a:tailEnd type="triangle"/>
+          </a:ln>
+        </p:spPr>
+        <p:style>
+          <a:lnRef idx="1">
+            <a:schemeClr val="accent1"/>
+          </a:lnRef>
+          <a:fillRef idx="0">
+            <a:schemeClr val="accent1"/>
+          </a:fillRef>
+          <a:effectRef idx="0">
+            <a:schemeClr val="accent1"/>
+          </a:effectRef>
+          <a:fontRef idx="minor">
+            <a:schemeClr val="tx1"/>
+          </a:fontRef>
+        </p:style>
+      </p:cxnSp>
+      <p:cxnSp>
+        <p:nvCxnSpPr>
+          <p:cNvPr id="41" name="직선 화살표 연결선 40"/>
+          <p:cNvCxnSpPr>
+            <a:stCxn id="7" idx="2"/>
+            <a:endCxn id="15" idx="0"/>
+          </p:cNvCxnSpPr>
+          <p:nvPr/>
+        </p:nvCxnSpPr>
+        <p:spPr>
+          <a:xfrm>
+            <a:off x="8599661" y="3348265"/>
+            <a:ext cx="0" cy="362376"/>
+          </a:xfrm>
+          <a:prstGeom prst="straightConnector1">
+            <a:avLst/>
+          </a:prstGeom>
+          <a:ln>
+            <a:tailEnd type="triangle"/>
+          </a:ln>
+        </p:spPr>
+        <p:style>
+          <a:lnRef idx="1">
+            <a:schemeClr val="accent1"/>
+          </a:lnRef>
+          <a:fillRef idx="0">
+            <a:schemeClr val="accent1"/>
+          </a:fillRef>
+          <a:effectRef idx="0">
+            <a:schemeClr val="accent1"/>
+          </a:effectRef>
+          <a:fontRef idx="minor">
+            <a:schemeClr val="tx1"/>
+          </a:fontRef>
+        </p:style>
+      </p:cxnSp>
+      <p:cxnSp>
+        <p:nvCxnSpPr>
+          <p:cNvPr id="43" name="직선 화살표 연결선 42"/>
+          <p:cNvCxnSpPr>
+            <a:stCxn id="15" idx="2"/>
+            <a:endCxn id="17" idx="0"/>
+          </p:cNvCxnSpPr>
+          <p:nvPr/>
+        </p:nvCxnSpPr>
+        <p:spPr>
+          <a:xfrm>
+            <a:off x="8599661" y="4430641"/>
+            <a:ext cx="0" cy="407598"/>
+          </a:xfrm>
+          <a:prstGeom prst="straightConnector1">
+            <a:avLst/>
+          </a:prstGeom>
+          <a:ln>
+            <a:tailEnd type="triangle"/>
+          </a:ln>
+        </p:spPr>
+        <p:style>
+          <a:lnRef idx="1">
+            <a:schemeClr val="accent1"/>
+          </a:lnRef>
+          <a:fillRef idx="0">
+            <a:schemeClr val="accent1"/>
+          </a:fillRef>
+          <a:effectRef idx="0">
+            <a:schemeClr val="accent1"/>
+          </a:effectRef>
+          <a:fontRef idx="minor">
+            <a:schemeClr val="tx1"/>
+          </a:fontRef>
+        </p:style>
+      </p:cxnSp>
+      <p:cxnSp>
+        <p:nvCxnSpPr>
+          <p:cNvPr id="45" name="직선 화살표 연결선 44"/>
+          <p:cNvCxnSpPr>
+            <a:stCxn id="9" idx="2"/>
+            <a:endCxn id="18" idx="0"/>
+          </p:cNvCxnSpPr>
+          <p:nvPr/>
+        </p:nvCxnSpPr>
+        <p:spPr>
+          <a:xfrm>
+            <a:off x="10885370" y="3345458"/>
+            <a:ext cx="0" cy="365183"/>
+          </a:xfrm>
+          <a:prstGeom prst="straightConnector1">
+            <a:avLst/>
+          </a:prstGeom>
+          <a:ln>
+            <a:tailEnd type="triangle"/>
+          </a:ln>
+        </p:spPr>
+        <p:style>
+          <a:lnRef idx="1">
+            <a:schemeClr val="accent1"/>
+          </a:lnRef>
+          <a:fillRef idx="0">
+            <a:schemeClr val="accent1"/>
+          </a:fillRef>
+          <a:effectRef idx="0">
+            <a:schemeClr val="accent1"/>
+          </a:effectRef>
+          <a:fontRef idx="minor">
+            <a:schemeClr val="tx1"/>
+          </a:fontRef>
+        </p:style>
+      </p:cxnSp>
+      <p:cxnSp>
+        <p:nvCxnSpPr>
+          <p:cNvPr id="47" name="직선 화살표 연결선 46"/>
+          <p:cNvCxnSpPr>
+            <a:stCxn id="18" idx="2"/>
+            <a:endCxn id="19" idx="0"/>
+          </p:cNvCxnSpPr>
+          <p:nvPr/>
+        </p:nvCxnSpPr>
+        <p:spPr>
+          <a:xfrm>
+            <a:off x="10885370" y="4430641"/>
+            <a:ext cx="0" cy="407598"/>
+          </a:xfrm>
+          <a:prstGeom prst="straightConnector1">
+            <a:avLst/>
+          </a:prstGeom>
+          <a:ln>
+            <a:tailEnd type="triangle"/>
+          </a:ln>
+        </p:spPr>
+        <p:style>
+          <a:lnRef idx="1">
+            <a:schemeClr val="accent1"/>
+          </a:lnRef>
+          <a:fillRef idx="0">
+            <a:schemeClr val="accent1"/>
+          </a:fillRef>
+          <a:effectRef idx="0">
+            <a:schemeClr val="accent1"/>
+          </a:effectRef>
+          <a:fontRef idx="minor">
+            <a:schemeClr val="tx1"/>
+          </a:fontRef>
+        </p:style>
+      </p:cxnSp>
     </p:spTree>
     <p:extLst>
       <p:ext uri="{BB962C8B-B14F-4D97-AF65-F5344CB8AC3E}">
@@ -3563,6 +4519,161 @@
   <p:clrMapOvr>
     <a:masterClrMapping/>
   </p:clrMapOvr>
+  <p:timing>
+    <p:tnLst>
+      <p:par>
+        <p:cTn id="1" dur="indefinite" restart="never" nodeType="tmRoot"/>
+      </p:par>
+    </p:tnLst>
+  </p:timing>
+</p:sld>
+</file>
+
+<file path=ppt/slides/slide4.xml><?xml version="1.0" encoding="utf-8"?>
+<p:sld xmlns:a="http://schemas.openxmlformats.org/drawingml/2006/main" xmlns:r="http://schemas.openxmlformats.org/officeDocument/2006/relationships" xmlns:p="http://schemas.openxmlformats.org/presentationml/2006/main">
+  <p:cSld>
+    <p:spTree>
+      <p:nvGrpSpPr>
+        <p:cNvPr id="1" name=""/>
+        <p:cNvGrpSpPr/>
+        <p:nvPr/>
+      </p:nvGrpSpPr>
+      <p:grpSpPr>
+        <a:xfrm>
+          <a:off x="0" y="0"/>
+          <a:ext cx="0" cy="0"/>
+          <a:chOff x="0" y="0"/>
+          <a:chExt cx="0" cy="0"/>
+        </a:xfrm>
+      </p:grpSpPr>
+      <p:sp>
+        <p:nvSpPr>
+          <p:cNvPr id="2" name="제목 1"/>
+          <p:cNvSpPr>
+            <a:spLocks noGrp="1"/>
+          </p:cNvSpPr>
+          <p:nvPr>
+            <p:ph type="title"/>
+          </p:nvPr>
+        </p:nvSpPr>
+        <p:spPr/>
+        <p:txBody>
+          <a:bodyPr/>
+          <a:lstStyle/>
+          <a:p>
+            <a:r>
+              <a:rPr lang="ko-KR" altLang="en-US" dirty="0" smtClean="0"/>
+              <a:t>파일 구성</a:t>
+            </a:r>
+            <a:endParaRPr lang="ko-KR" altLang="en-US" dirty="0"/>
+          </a:p>
+        </p:txBody>
+      </p:sp>
+      <p:sp>
+        <p:nvSpPr>
+          <p:cNvPr id="3" name="내용 개체 틀 2"/>
+          <p:cNvSpPr>
+            <a:spLocks noGrp="1"/>
+          </p:cNvSpPr>
+          <p:nvPr>
+            <p:ph idx="1"/>
+          </p:nvPr>
+        </p:nvSpPr>
+        <p:spPr/>
+        <p:txBody>
+          <a:bodyPr/>
+          <a:lstStyle/>
+          <a:p>
+            <a:pPr marL="0" indent="0">
+              <a:buNone/>
+            </a:pPr>
+            <a:r>
+              <a:rPr lang="en-US" altLang="ko-KR" dirty="0" smtClean="0"/>
+              <a:t>MealPlanner.java : </a:t>
+            </a:r>
+            <a:r>
+              <a:rPr lang="ko-KR" altLang="en-US" dirty="0" smtClean="0"/>
+              <a:t>메인 프로그램 실행 파일</a:t>
+            </a:r>
+            <a:r>
+              <a:rPr lang="en-US" altLang="ko-KR" dirty="0" smtClean="0"/>
+              <a:t>.</a:t>
+            </a:r>
+          </a:p>
+          <a:p>
+            <a:pPr marL="0" indent="0">
+              <a:buNone/>
+            </a:pPr>
+            <a:endParaRPr lang="en-US" altLang="ko-KR" dirty="0"/>
+          </a:p>
+          <a:p>
+            <a:pPr marL="0" indent="0">
+              <a:buNone/>
+            </a:pPr>
+            <a:r>
+              <a:rPr lang="en-US" altLang="ko-KR" dirty="0" smtClean="0"/>
+              <a:t>Meal.java : </a:t>
+            </a:r>
+            <a:r>
+              <a:rPr lang="ko-KR" altLang="en-US" dirty="0" smtClean="0"/>
+              <a:t>식사 기록 저장</a:t>
+            </a:r>
+            <a:r>
+              <a:rPr lang="en-US" altLang="ko-KR" dirty="0"/>
+              <a:t> </a:t>
+            </a:r>
+            <a:r>
+              <a:rPr lang="ko-KR" altLang="en-US" dirty="0" smtClean="0"/>
+              <a:t>파일</a:t>
+            </a:r>
+            <a:r>
+              <a:rPr lang="en-US" altLang="ko-KR" dirty="0" smtClean="0"/>
+              <a:t>.</a:t>
+            </a:r>
+          </a:p>
+          <a:p>
+            <a:pPr marL="0" indent="0">
+              <a:buNone/>
+            </a:pPr>
+            <a:endParaRPr lang="en-US" altLang="ko-KR" dirty="0"/>
+          </a:p>
+          <a:p>
+            <a:pPr marL="0" indent="0">
+              <a:buNone/>
+            </a:pPr>
+            <a:r>
+              <a:rPr lang="en-US" altLang="ko-KR" dirty="0" smtClean="0"/>
+              <a:t>Planner.java : </a:t>
+            </a:r>
+            <a:r>
+              <a:rPr lang="ko-KR" altLang="en-US" dirty="0" smtClean="0"/>
+              <a:t>프로그램 기능 구현 파일</a:t>
+            </a:r>
+            <a:r>
+              <a:rPr lang="en-US" altLang="ko-KR" dirty="0" smtClean="0"/>
+              <a:t>.</a:t>
+            </a:r>
+            <a:endParaRPr lang="ko-KR" altLang="en-US" dirty="0"/>
+          </a:p>
+        </p:txBody>
+      </p:sp>
+    </p:spTree>
+    <p:extLst>
+      <p:ext uri="{BB962C8B-B14F-4D97-AF65-F5344CB8AC3E}">
+        <p14:creationId xmlns:p14="http://schemas.microsoft.com/office/powerpoint/2010/main" val="2527193271"/>
+      </p:ext>
+    </p:extLst>
+  </p:cSld>
+  <p:clrMapOvr>
+    <a:masterClrMapping/>
+  </p:clrMapOvr>
+  <p:timing>
+    <p:tnLst>
+      <p:par>
+        <p:cTn id="1" dur="indefinite" restart="never" nodeType="tmRoot"/>
+      </p:par>
+    </p:tnLst>
+  </p:timing>
 </p:sld>
 </file>
 
